--- a/授業資料/授業資料：ファイル処理.pptx
+++ b/授業資料/授業資料：ファイル処理.pptx
@@ -336,7 +336,7 @@
           <a:p>
             <a:fld id="{1D8BD707-D9CF-40AE-B4C6-C98DA3205C09}" type="datetimeFigureOut">
               <a:rPr lang="en-US" smtClean="0"/>
-              <a:t>6/9/2025</a:t>
+              <a:t>6/16/2025</a:t>
             </a:fld>
             <a:endParaRPr lang="en-US"/>
           </a:p>
@@ -566,7 +566,7 @@
           <a:p>
             <a:fld id="{1D8BD707-D9CF-40AE-B4C6-C98DA3205C09}" type="datetimeFigureOut">
               <a:rPr lang="en-US" smtClean="0"/>
-              <a:t>6/9/2025</a:t>
+              <a:t>6/16/2025</a:t>
             </a:fld>
             <a:endParaRPr lang="en-US"/>
           </a:p>
@@ -806,7 +806,7 @@
           <a:p>
             <a:fld id="{1D8BD707-D9CF-40AE-B4C6-C98DA3205C09}" type="datetimeFigureOut">
               <a:rPr lang="en-US" smtClean="0"/>
-              <a:t>6/9/2025</a:t>
+              <a:t>6/16/2025</a:t>
             </a:fld>
             <a:endParaRPr lang="en-US"/>
           </a:p>
@@ -968,7 +968,7 @@
           <a:p>
             <a:fld id="{1D8BD707-D9CF-40AE-B4C6-C98DA3205C09}" type="datetimeFigureOut">
               <a:rPr lang="en-US"/>
-              <a:t>6/9/2025</a:t>
+              <a:t>6/16/2025</a:t>
             </a:fld>
             <a:endParaRPr lang="en-US"/>
           </a:p>
@@ -1176,7 +1176,7 @@
           <a:p>
             <a:fld id="{1D8BD707-D9CF-40AE-B4C6-C98DA3205C09}" type="datetimeFigureOut">
               <a:rPr lang="en-US" smtClean="0"/>
-              <a:t>6/9/2025</a:t>
+              <a:t>6/16/2025</a:t>
             </a:fld>
             <a:endParaRPr lang="en-US"/>
           </a:p>
@@ -1451,7 +1451,7 @@
           <a:p>
             <a:fld id="{1D8BD707-D9CF-40AE-B4C6-C98DA3205C09}" type="datetimeFigureOut">
               <a:rPr lang="en-US" smtClean="0"/>
-              <a:t>6/9/2025</a:t>
+              <a:t>6/16/2025</a:t>
             </a:fld>
             <a:endParaRPr lang="en-US"/>
           </a:p>
@@ -1780,7 +1780,7 @@
           <a:p>
             <a:fld id="{1D8BD707-D9CF-40AE-B4C6-C98DA3205C09}" type="datetimeFigureOut">
               <a:rPr lang="en-US" smtClean="0"/>
-              <a:t>6/9/2025</a:t>
+              <a:t>6/16/2025</a:t>
             </a:fld>
             <a:endParaRPr lang="en-US"/>
           </a:p>
@@ -2256,7 +2256,7 @@
           <a:p>
             <a:fld id="{1D8BD707-D9CF-40AE-B4C6-C98DA3205C09}" type="datetimeFigureOut">
               <a:rPr lang="en-US" smtClean="0"/>
-              <a:t>6/9/2025</a:t>
+              <a:t>6/16/2025</a:t>
             </a:fld>
             <a:endParaRPr lang="en-US"/>
           </a:p>
@@ -2397,7 +2397,7 @@
           <a:p>
             <a:fld id="{1D8BD707-D9CF-40AE-B4C6-C98DA3205C09}" type="datetimeFigureOut">
               <a:rPr lang="en-US" smtClean="0"/>
-              <a:t>6/9/2025</a:t>
+              <a:t>6/16/2025</a:t>
             </a:fld>
             <a:endParaRPr lang="en-US"/>
           </a:p>
@@ -2510,7 +2510,7 @@
           <a:p>
             <a:fld id="{1D8BD707-D9CF-40AE-B4C6-C98DA3205C09}" type="datetimeFigureOut">
               <a:rPr lang="en-US" smtClean="0"/>
-              <a:t>6/9/2025</a:t>
+              <a:t>6/16/2025</a:t>
             </a:fld>
             <a:endParaRPr lang="en-US"/>
           </a:p>
@@ -2853,7 +2853,7 @@
           <a:p>
             <a:fld id="{1D8BD707-D9CF-40AE-B4C6-C98DA3205C09}" type="datetimeFigureOut">
               <a:rPr lang="en-US" smtClean="0"/>
-              <a:t>6/9/2025</a:t>
+              <a:t>6/16/2025</a:t>
             </a:fld>
             <a:endParaRPr lang="en-US"/>
           </a:p>
@@ -3157,7 +3157,7 @@
           <a:p>
             <a:fld id="{1D8BD707-D9CF-40AE-B4C6-C98DA3205C09}" type="datetimeFigureOut">
               <a:rPr lang="en-US" smtClean="0"/>
-              <a:t>6/9/2025</a:t>
+              <a:t>6/16/2025</a:t>
             </a:fld>
             <a:endParaRPr lang="en-US"/>
           </a:p>
@@ -3430,7 +3430,7 @@
           <a:p>
             <a:fld id="{1D8BD707-D9CF-40AE-B4C6-C98DA3205C09}" type="datetimeFigureOut">
               <a:rPr lang="en-US" smtClean="0"/>
-              <a:t>6/9/2025</a:t>
+              <a:t>6/16/2025</a:t>
             </a:fld>
             <a:endParaRPr lang="en-US"/>
           </a:p>
@@ -7119,7 +7119,7 @@
             </a:pPr>
             <a:r>
               <a:rPr sz="2800" b="1" spc="-20" dirty="0">
-                <a:latin typeface="+mn-ea"/>
+                <a:latin typeface="+mn-lt"/>
                 <a:ea typeface="+mn-ea"/>
                 <a:cs typeface="Century Gothic"/>
               </a:rPr>
@@ -7398,22 +7398,22 @@
               <a:t> </a:t>
             </a:r>
             <a:r>
-              <a:rPr spc="-20" dirty="0" err="1">
+              <a:rPr b="1" spc="-20" dirty="0">
+                <a:latin typeface="+mj-lt"/>
+              </a:rPr>
+              <a:t>str</a:t>
+            </a:r>
+            <a:r>
+              <a:rPr lang="ja-JP" altLang="en-US" spc="-20" dirty="0">
                 <a:latin typeface="+mn-ea"/>
               </a:rPr>
-              <a:t>str</a:t>
-            </a:r>
-            <a:r>
-              <a:rPr spc="-40" dirty="0" err="1">
-                <a:latin typeface="+mn-ea"/>
-              </a:rPr>
-              <a:t>は</a:t>
+              <a:t>に</a:t>
             </a:r>
             <a:r>
               <a:rPr spc="-40" dirty="0">
                 <a:latin typeface="+mn-ea"/>
               </a:rPr>
-              <a:t>“</a:t>
+              <a:t>は“</a:t>
             </a:r>
             <a:r>
               <a:rPr lang="ja-JP" altLang="en-US" spc="-40" dirty="0">
@@ -7434,10 +7434,16 @@
               <a:t>の棒</a:t>
             </a:r>
             <a:r>
-              <a:rPr spc="-40" dirty="0" err="1">
+              <a:rPr spc="-40" dirty="0">
                 <a:latin typeface="+mn-ea"/>
               </a:rPr>
-              <a:t>"を受け取る</a:t>
+              <a:t>”</a:t>
+            </a:r>
+            <a:r>
+              <a:rPr lang="ja-JP" altLang="en-US" spc="-40" dirty="0">
+                <a:latin typeface="+mn-ea"/>
+              </a:rPr>
+              <a:t>が格納される</a:t>
             </a:r>
             <a:endParaRPr lang="en-US" spc="-40" dirty="0">
               <a:latin typeface="+mn-ea"/>
@@ -7561,22 +7567,22 @@
               <a:t> </a:t>
             </a:r>
             <a:r>
-              <a:rPr spc="-20" dirty="0" err="1">
+              <a:rPr b="1" spc="-20" dirty="0">
+                <a:latin typeface="+mj-lt"/>
+              </a:rPr>
+              <a:t>str</a:t>
+            </a:r>
+            <a:r>
+              <a:rPr lang="ja-JP" altLang="en-US" spc="-20" dirty="0">
                 <a:latin typeface="+mn-ea"/>
               </a:rPr>
-              <a:t>str</a:t>
-            </a:r>
-            <a:r>
-              <a:rPr spc="-40" dirty="0" err="1">
-                <a:latin typeface="+mn-ea"/>
-              </a:rPr>
-              <a:t>は</a:t>
+              <a:t>に</a:t>
             </a:r>
             <a:r>
               <a:rPr spc="-40" dirty="0">
                 <a:latin typeface="+mn-ea"/>
               </a:rPr>
-              <a:t>“</a:t>
+              <a:t>は“</a:t>
             </a:r>
             <a:r>
               <a:rPr lang="ja-JP" altLang="en-US" spc="-40" dirty="0">
@@ -7597,10 +7603,16 @@
               <a:t>の剣</a:t>
             </a:r>
             <a:r>
-              <a:rPr spc="-40" dirty="0" err="1">
+              <a:rPr spc="-40" dirty="0">
                 <a:latin typeface="+mn-ea"/>
               </a:rPr>
-              <a:t>"を受け取る</a:t>
+              <a:t>"</a:t>
+            </a:r>
+            <a:r>
+              <a:rPr lang="ja-JP" altLang="en-US" spc="-40" dirty="0">
+                <a:latin typeface="+mn-ea"/>
+              </a:rPr>
+              <a:t>が格納される</a:t>
             </a:r>
             <a:endParaRPr spc="-10" dirty="0">
               <a:solidFill>
@@ -7724,22 +7736,22 @@
               <a:t> </a:t>
             </a:r>
             <a:r>
-              <a:rPr spc="-20" dirty="0" err="1">
+              <a:rPr b="1" spc="-20" dirty="0">
+                <a:latin typeface="+mj-lt"/>
+              </a:rPr>
+              <a:t>str</a:t>
+            </a:r>
+            <a:r>
+              <a:rPr lang="ja-JP" altLang="en-US" spc="-20" dirty="0">
                 <a:latin typeface="+mn-ea"/>
               </a:rPr>
-              <a:t>str</a:t>
-            </a:r>
-            <a:r>
-              <a:rPr spc="-40" dirty="0" err="1">
-                <a:latin typeface="+mn-ea"/>
-              </a:rPr>
-              <a:t>は</a:t>
+              <a:t>に</a:t>
             </a:r>
             <a:r>
               <a:rPr spc="-40" dirty="0">
                 <a:latin typeface="+mn-ea"/>
               </a:rPr>
-              <a:t>“</a:t>
+              <a:t>は“</a:t>
             </a:r>
             <a:r>
               <a:rPr lang="ja-JP" altLang="en-US" spc="-40" dirty="0">
@@ -7760,10 +7772,16 @@
               <a:t>の剣</a:t>
             </a:r>
             <a:r>
-              <a:rPr spc="-40" dirty="0" err="1">
+              <a:rPr spc="-40" dirty="0">
                 <a:latin typeface="+mn-ea"/>
               </a:rPr>
-              <a:t>"を受け取る</a:t>
+              <a:t>"</a:t>
+            </a:r>
+            <a:r>
+              <a:rPr lang="ja-JP" altLang="en-US" spc="-40" dirty="0">
+                <a:latin typeface="+mn-ea"/>
+              </a:rPr>
+              <a:t>が格納される</a:t>
             </a:r>
             <a:endParaRPr spc="-10" dirty="0">
               <a:solidFill>
@@ -8950,133 +8968,154 @@
           </a:p>
         </p:txBody>
       </p:sp>
-      <p:sp>
-        <p:nvSpPr>
-          <p:cNvPr id="11" name="矢印: 下 10">
+      <p:grpSp>
+        <p:nvGrpSpPr>
+          <p:cNvPr id="4" name="グループ化 3">
             <a:extLst>
               <a:ext uri="{FF2B5EF4-FFF2-40B4-BE49-F238E27FC236}">
-                <a16:creationId xmlns:a16="http://schemas.microsoft.com/office/drawing/2014/main" id="{09AA2133-4755-7249-B246-FE8C3C55E6A4}"/>
+                <a16:creationId xmlns:a16="http://schemas.microsoft.com/office/drawing/2014/main" id="{13F06B04-0C1D-F4B5-0006-648495471AB1}"/>
               </a:ext>
             </a:extLst>
           </p:cNvPr>
-          <p:cNvSpPr/>
+          <p:cNvGrpSpPr/>
           <p:nvPr/>
-        </p:nvSpPr>
-        <p:spPr>
-          <a:xfrm flipV="1">
-            <a:off x="8024241" y="2971800"/>
-            <a:ext cx="228600" cy="381000"/>
+        </p:nvGrpSpPr>
+        <p:grpSpPr>
+          <a:xfrm>
+            <a:off x="8473249" y="3000527"/>
+            <a:ext cx="1348359" cy="755146"/>
+            <a:chOff x="8024241" y="2971800"/>
+            <a:chExt cx="1348359" cy="755146"/>
           </a:xfrm>
-          <a:prstGeom prst="downArrow">
-            <a:avLst/>
-          </a:prstGeom>
-        </p:spPr>
-        <p:style>
-          <a:lnRef idx="2">
-            <a:schemeClr val="accent1">
-              <a:shade val="15000"/>
-            </a:schemeClr>
-          </a:lnRef>
-          <a:fillRef idx="1">
-            <a:schemeClr val="accent1"/>
-          </a:fillRef>
-          <a:effectRef idx="0">
-            <a:schemeClr val="accent1"/>
-          </a:effectRef>
-          <a:fontRef idx="minor">
-            <a:schemeClr val="lt1"/>
-          </a:fontRef>
-        </p:style>
-        <p:txBody>
-          <a:bodyPr rtlCol="0" anchor="ctr"/>
-          <a:lstStyle/>
-          <a:p>
-            <a:pPr algn="ctr"/>
-            <a:endParaRPr kumimoji="1" lang="ja-JP" altLang="en-US"/>
-          </a:p>
-        </p:txBody>
-      </p:sp>
-      <p:sp>
-        <p:nvSpPr>
-          <p:cNvPr id="12" name="矢印: 下 11">
-            <a:extLst>
-              <a:ext uri="{FF2B5EF4-FFF2-40B4-BE49-F238E27FC236}">
-                <a16:creationId xmlns:a16="http://schemas.microsoft.com/office/drawing/2014/main" id="{DF733FA0-C158-7C55-FD89-E70EDD8141D7}"/>
-              </a:ext>
-            </a:extLst>
-          </p:cNvPr>
-          <p:cNvSpPr/>
-          <p:nvPr/>
-        </p:nvSpPr>
-        <p:spPr>
-          <a:xfrm flipV="1">
-            <a:off x="9144000" y="2971800"/>
-            <a:ext cx="228600" cy="381000"/>
-          </a:xfrm>
-          <a:prstGeom prst="downArrow">
-            <a:avLst/>
-          </a:prstGeom>
-        </p:spPr>
-        <p:style>
-          <a:lnRef idx="2">
-            <a:schemeClr val="accent1">
-              <a:shade val="15000"/>
-            </a:schemeClr>
-          </a:lnRef>
-          <a:fillRef idx="1">
-            <a:schemeClr val="accent1"/>
-          </a:fillRef>
-          <a:effectRef idx="0">
-            <a:schemeClr val="accent1"/>
-          </a:effectRef>
-          <a:fontRef idx="minor">
-            <a:schemeClr val="lt1"/>
-          </a:fontRef>
-        </p:style>
-        <p:txBody>
-          <a:bodyPr rtlCol="0" anchor="ctr"/>
-          <a:lstStyle/>
-          <a:p>
-            <a:pPr algn="ctr"/>
-            <a:endParaRPr kumimoji="1" lang="ja-JP" altLang="en-US"/>
-          </a:p>
-        </p:txBody>
-      </p:sp>
-      <p:sp>
-        <p:nvSpPr>
-          <p:cNvPr id="13" name="テキスト ボックス 12">
-            <a:extLst>
-              <a:ext uri="{FF2B5EF4-FFF2-40B4-BE49-F238E27FC236}">
-                <a16:creationId xmlns:a16="http://schemas.microsoft.com/office/drawing/2014/main" id="{8A6EF0DC-9BF2-2814-5E89-C1623A7A3744}"/>
-              </a:ext>
-            </a:extLst>
-          </p:cNvPr>
-          <p:cNvSpPr txBox="1"/>
-          <p:nvPr/>
-        </p:nvSpPr>
-        <p:spPr>
-          <a:xfrm>
-            <a:off x="8198207" y="3265281"/>
-            <a:ext cx="1107996" cy="461665"/>
-          </a:xfrm>
-          <a:prstGeom prst="rect">
-            <a:avLst/>
-          </a:prstGeom>
-          <a:noFill/>
-        </p:spPr>
-        <p:txBody>
-          <a:bodyPr wrap="none" rtlCol="0">
-            <a:spAutoFit/>
-          </a:bodyPr>
-          <a:lstStyle/>
-          <a:p>
-            <a:r>
-              <a:rPr kumimoji="1" lang="ja-JP" altLang="en-US" sz="2400" dirty="0"/>
-              <a:t>（空白）</a:t>
-            </a:r>
-          </a:p>
-        </p:txBody>
-      </p:sp>
+        </p:grpSpPr>
+        <p:sp>
+          <p:nvSpPr>
+            <p:cNvPr id="11" name="矢印: 下 10">
+              <a:extLst>
+                <a:ext uri="{FF2B5EF4-FFF2-40B4-BE49-F238E27FC236}">
+                  <a16:creationId xmlns:a16="http://schemas.microsoft.com/office/drawing/2014/main" id="{09AA2133-4755-7249-B246-FE8C3C55E6A4}"/>
+                </a:ext>
+              </a:extLst>
+            </p:cNvPr>
+            <p:cNvSpPr/>
+            <p:nvPr/>
+          </p:nvSpPr>
+          <p:spPr>
+            <a:xfrm flipV="1">
+              <a:off x="8024241" y="2971800"/>
+              <a:ext cx="228600" cy="381000"/>
+            </a:xfrm>
+            <a:prstGeom prst="downArrow">
+              <a:avLst/>
+            </a:prstGeom>
+          </p:spPr>
+          <p:style>
+            <a:lnRef idx="2">
+              <a:schemeClr val="accent1">
+                <a:shade val="15000"/>
+              </a:schemeClr>
+            </a:lnRef>
+            <a:fillRef idx="1">
+              <a:schemeClr val="accent1"/>
+            </a:fillRef>
+            <a:effectRef idx="0">
+              <a:schemeClr val="accent1"/>
+            </a:effectRef>
+            <a:fontRef idx="minor">
+              <a:schemeClr val="lt1"/>
+            </a:fontRef>
+          </p:style>
+          <p:txBody>
+            <a:bodyPr rtlCol="0" anchor="ctr"/>
+            <a:lstStyle/>
+            <a:p>
+              <a:pPr algn="ctr"/>
+              <a:endParaRPr kumimoji="1" lang="ja-JP" altLang="en-US"/>
+            </a:p>
+          </p:txBody>
+        </p:sp>
+        <p:sp>
+          <p:nvSpPr>
+            <p:cNvPr id="12" name="矢印: 下 11">
+              <a:extLst>
+                <a:ext uri="{FF2B5EF4-FFF2-40B4-BE49-F238E27FC236}">
+                  <a16:creationId xmlns:a16="http://schemas.microsoft.com/office/drawing/2014/main" id="{DF733FA0-C158-7C55-FD89-E70EDD8141D7}"/>
+                </a:ext>
+              </a:extLst>
+            </p:cNvPr>
+            <p:cNvSpPr/>
+            <p:nvPr/>
+          </p:nvSpPr>
+          <p:spPr>
+            <a:xfrm flipV="1">
+              <a:off x="9144000" y="2971800"/>
+              <a:ext cx="228600" cy="381000"/>
+            </a:xfrm>
+            <a:prstGeom prst="downArrow">
+              <a:avLst/>
+            </a:prstGeom>
+          </p:spPr>
+          <p:style>
+            <a:lnRef idx="2">
+              <a:schemeClr val="accent1">
+                <a:shade val="15000"/>
+              </a:schemeClr>
+            </a:lnRef>
+            <a:fillRef idx="1">
+              <a:schemeClr val="accent1"/>
+            </a:fillRef>
+            <a:effectRef idx="0">
+              <a:schemeClr val="accent1"/>
+            </a:effectRef>
+            <a:fontRef idx="minor">
+              <a:schemeClr val="lt1"/>
+            </a:fontRef>
+          </p:style>
+          <p:txBody>
+            <a:bodyPr rtlCol="0" anchor="ctr"/>
+            <a:lstStyle/>
+            <a:p>
+              <a:pPr algn="ctr"/>
+              <a:endParaRPr kumimoji="1" lang="ja-JP" altLang="en-US"/>
+            </a:p>
+          </p:txBody>
+        </p:sp>
+        <p:sp>
+          <p:nvSpPr>
+            <p:cNvPr id="13" name="テキスト ボックス 12">
+              <a:extLst>
+                <a:ext uri="{FF2B5EF4-FFF2-40B4-BE49-F238E27FC236}">
+                  <a16:creationId xmlns:a16="http://schemas.microsoft.com/office/drawing/2014/main" id="{8A6EF0DC-9BF2-2814-5E89-C1623A7A3744}"/>
+                </a:ext>
+              </a:extLst>
+            </p:cNvPr>
+            <p:cNvSpPr txBox="1"/>
+            <p:nvPr/>
+          </p:nvSpPr>
+          <p:spPr>
+            <a:xfrm>
+              <a:off x="8198207" y="3265281"/>
+              <a:ext cx="1107996" cy="461665"/>
+            </a:xfrm>
+            <a:prstGeom prst="rect">
+              <a:avLst/>
+            </a:prstGeom>
+            <a:noFill/>
+          </p:spPr>
+          <p:txBody>
+            <a:bodyPr wrap="none" rtlCol="0">
+              <a:spAutoFit/>
+            </a:bodyPr>
+            <a:lstStyle/>
+            <a:p>
+              <a:r>
+                <a:rPr kumimoji="1" lang="ja-JP" altLang="en-US" sz="2400" dirty="0"/>
+                <a:t>（空白）</a:t>
+              </a:r>
+            </a:p>
+          </p:txBody>
+        </p:sp>
+      </p:grpSp>
       <p:sp>
         <p:nvSpPr>
           <p:cNvPr id="14" name="object 7">

--- a/授業資料/授業資料：ファイル処理.pptx
+++ b/授業資料/授業資料：ファイル処理.pptx
@@ -336,7 +336,7 @@
           <a:p>
             <a:fld id="{1D8BD707-D9CF-40AE-B4C6-C98DA3205C09}" type="datetimeFigureOut">
               <a:rPr lang="en-US" smtClean="0"/>
-              <a:t>6/16/2025</a:t>
+              <a:t>6/18/2025</a:t>
             </a:fld>
             <a:endParaRPr lang="en-US"/>
           </a:p>
@@ -566,7 +566,7 @@
           <a:p>
             <a:fld id="{1D8BD707-D9CF-40AE-B4C6-C98DA3205C09}" type="datetimeFigureOut">
               <a:rPr lang="en-US" smtClean="0"/>
-              <a:t>6/16/2025</a:t>
+              <a:t>6/18/2025</a:t>
             </a:fld>
             <a:endParaRPr lang="en-US"/>
           </a:p>
@@ -806,7 +806,7 @@
           <a:p>
             <a:fld id="{1D8BD707-D9CF-40AE-B4C6-C98DA3205C09}" type="datetimeFigureOut">
               <a:rPr lang="en-US" smtClean="0"/>
-              <a:t>6/16/2025</a:t>
+              <a:t>6/18/2025</a:t>
             </a:fld>
             <a:endParaRPr lang="en-US"/>
           </a:p>
@@ -968,7 +968,7 @@
           <a:p>
             <a:fld id="{1D8BD707-D9CF-40AE-B4C6-C98DA3205C09}" type="datetimeFigureOut">
               <a:rPr lang="en-US"/>
-              <a:t>6/16/2025</a:t>
+              <a:t>6/18/2025</a:t>
             </a:fld>
             <a:endParaRPr lang="en-US"/>
           </a:p>
@@ -1176,7 +1176,7 @@
           <a:p>
             <a:fld id="{1D8BD707-D9CF-40AE-B4C6-C98DA3205C09}" type="datetimeFigureOut">
               <a:rPr lang="en-US" smtClean="0"/>
-              <a:t>6/16/2025</a:t>
+              <a:t>6/18/2025</a:t>
             </a:fld>
             <a:endParaRPr lang="en-US"/>
           </a:p>
@@ -1451,7 +1451,7 @@
           <a:p>
             <a:fld id="{1D8BD707-D9CF-40AE-B4C6-C98DA3205C09}" type="datetimeFigureOut">
               <a:rPr lang="en-US" smtClean="0"/>
-              <a:t>6/16/2025</a:t>
+              <a:t>6/18/2025</a:t>
             </a:fld>
             <a:endParaRPr lang="en-US"/>
           </a:p>
@@ -1780,7 +1780,7 @@
           <a:p>
             <a:fld id="{1D8BD707-D9CF-40AE-B4C6-C98DA3205C09}" type="datetimeFigureOut">
               <a:rPr lang="en-US" smtClean="0"/>
-              <a:t>6/16/2025</a:t>
+              <a:t>6/18/2025</a:t>
             </a:fld>
             <a:endParaRPr lang="en-US"/>
           </a:p>
@@ -2256,7 +2256,7 @@
           <a:p>
             <a:fld id="{1D8BD707-D9CF-40AE-B4C6-C98DA3205C09}" type="datetimeFigureOut">
               <a:rPr lang="en-US" smtClean="0"/>
-              <a:t>6/16/2025</a:t>
+              <a:t>6/18/2025</a:t>
             </a:fld>
             <a:endParaRPr lang="en-US"/>
           </a:p>
@@ -2397,7 +2397,7 @@
           <a:p>
             <a:fld id="{1D8BD707-D9CF-40AE-B4C6-C98DA3205C09}" type="datetimeFigureOut">
               <a:rPr lang="en-US" smtClean="0"/>
-              <a:t>6/16/2025</a:t>
+              <a:t>6/18/2025</a:t>
             </a:fld>
             <a:endParaRPr lang="en-US"/>
           </a:p>
@@ -2510,7 +2510,7 @@
           <a:p>
             <a:fld id="{1D8BD707-D9CF-40AE-B4C6-C98DA3205C09}" type="datetimeFigureOut">
               <a:rPr lang="en-US" smtClean="0"/>
-              <a:t>6/16/2025</a:t>
+              <a:t>6/18/2025</a:t>
             </a:fld>
             <a:endParaRPr lang="en-US"/>
           </a:p>
@@ -2853,7 +2853,7 @@
           <a:p>
             <a:fld id="{1D8BD707-D9CF-40AE-B4C6-C98DA3205C09}" type="datetimeFigureOut">
               <a:rPr lang="en-US" smtClean="0"/>
-              <a:t>6/16/2025</a:t>
+              <a:t>6/18/2025</a:t>
             </a:fld>
             <a:endParaRPr lang="en-US"/>
           </a:p>
@@ -3157,7 +3157,7 @@
           <a:p>
             <a:fld id="{1D8BD707-D9CF-40AE-B4C6-C98DA3205C09}" type="datetimeFigureOut">
               <a:rPr lang="en-US" smtClean="0"/>
-              <a:t>6/16/2025</a:t>
+              <a:t>6/18/2025</a:t>
             </a:fld>
             <a:endParaRPr lang="en-US"/>
           </a:p>
@@ -3430,7 +3430,7 @@
           <a:p>
             <a:fld id="{1D8BD707-D9CF-40AE-B4C6-C98DA3205C09}" type="datetimeFigureOut">
               <a:rPr lang="en-US" smtClean="0"/>
-              <a:t>6/16/2025</a:t>
+              <a:t>6/18/2025</a:t>
             </a:fld>
             <a:endParaRPr lang="en-US"/>
           </a:p>
@@ -4141,7 +4141,7 @@
         </p:nvSpPr>
         <p:spPr>
           <a:xfrm>
-            <a:off x="1143000" y="5410200"/>
+            <a:off x="1257300" y="5012828"/>
             <a:ext cx="9677400" cy="1371600"/>
           </a:xfrm>
           <a:prstGeom prst="rect">
@@ -4708,7 +4708,7 @@
         </p:nvSpPr>
         <p:spPr>
           <a:xfrm>
-            <a:off x="1905000" y="5638800"/>
+            <a:off x="2003742" y="5261329"/>
             <a:ext cx="8489316" cy="874598"/>
           </a:xfrm>
           <a:prstGeom prst="rect">
@@ -4900,7 +4900,7 @@
         </p:nvSpPr>
         <p:spPr>
           <a:xfrm>
-            <a:off x="190500" y="1193212"/>
+            <a:off x="190500" y="1026665"/>
             <a:ext cx="11811000" cy="3030253"/>
           </a:xfrm>
           <a:prstGeom prst="rect">
@@ -5025,17 +5025,15 @@
               </a:rPr>
               <a:t>,</a:t>
             </a:r>
-            <a:endParaRPr lang="ja-JP" altLang="en-US" sz="4000" dirty="0">
-              <a:latin typeface="+mj-lt"/>
-              <a:cs typeface="Century Gothic"/>
-            </a:endParaRPr>
-          </a:p>
-          <a:p>
-            <a:pPr marL="2298700">
-              <a:lnSpc>
-                <a:spcPct val="150000"/>
-              </a:lnSpc>
-            </a:pPr>
+            <a:br>
+              <a:rPr lang="en-US" altLang="ja-JP" sz="2800" spc="-50" dirty="0">
+                <a:solidFill>
+                  <a:srgbClr val="252525"/>
+                </a:solidFill>
+                <a:latin typeface="+mj-lt"/>
+                <a:cs typeface="Century Gothic"/>
+              </a:rPr>
+            </a:br>
             <a:r>
               <a:rPr lang="ja-JP" altLang="en-US" sz="4000" spc="-30" dirty="0">
                 <a:solidFill>
@@ -5179,7 +5177,7 @@
         </p:nvSpPr>
         <p:spPr>
           <a:xfrm>
-            <a:off x="533400" y="4316208"/>
+            <a:off x="522514" y="4024261"/>
             <a:ext cx="10820400" cy="2340384"/>
           </a:xfrm>
           <a:prstGeom prst="rect">
@@ -5885,7 +5883,7 @@
         </p:nvSpPr>
         <p:spPr>
           <a:xfrm>
-            <a:off x="747471" y="5535269"/>
+            <a:off x="760044" y="5320302"/>
             <a:ext cx="7840345" cy="873957"/>
           </a:xfrm>
           <a:prstGeom prst="rect">
@@ -5975,7 +5973,7 @@
         </p:nvSpPr>
         <p:spPr>
           <a:xfrm>
-            <a:off x="760044" y="5976251"/>
+            <a:off x="1143000" y="5769599"/>
             <a:ext cx="4802556" cy="436017"/>
           </a:xfrm>
           <a:prstGeom prst="rect">
@@ -6329,8 +6327,8 @@
         </p:nvSpPr>
         <p:spPr>
           <a:xfrm>
-            <a:off x="838200" y="2727595"/>
-            <a:ext cx="5943600" cy="930005"/>
+            <a:off x="990600" y="2498995"/>
+            <a:ext cx="5943600" cy="549005"/>
           </a:xfrm>
           <a:prstGeom prst="rect">
             <a:avLst/>
@@ -6370,7 +6368,7 @@
         <p:spPr>
           <a:xfrm>
             <a:off x="747470" y="2022377"/>
-            <a:ext cx="7710729" cy="4557017"/>
+            <a:ext cx="7710729" cy="3608039"/>
           </a:xfrm>
           <a:prstGeom prst="rect">
             <a:avLst/>
@@ -6411,7 +6409,25 @@
                 <a:spcPts val="95"/>
               </a:spcBef>
             </a:pPr>
-            <a:endParaRPr lang="en-US" sz="3200" dirty="0">
+            <a:r>
+              <a:rPr lang="ja-JP" altLang="en-US" sz="3600" dirty="0">
+                <a:solidFill>
+                  <a:schemeClr val="bg1"/>
+                </a:solidFill>
+                <a:cs typeface="ＭＳ ゴシック"/>
+              </a:rPr>
+              <a:t>　</a:t>
+            </a:r>
+            <a:r>
+              <a:rPr lang="en-US" sz="3600" dirty="0">
+                <a:solidFill>
+                  <a:schemeClr val="bg1"/>
+                </a:solidFill>
+                <a:cs typeface="ＭＳ ゴシック"/>
+              </a:rPr>
+              <a:t>notepad  file02.txt</a:t>
+            </a:r>
+            <a:endParaRPr lang="en-US" sz="2800" dirty="0">
               <a:latin typeface="+mn-ea"/>
               <a:cs typeface="ＭＳ ゴシック"/>
             </a:endParaRPr>
@@ -6426,52 +6442,6 @@
               </a:spcBef>
             </a:pPr>
             <a:r>
-              <a:rPr lang="ja-JP" altLang="en-US" sz="3200" dirty="0">
-                <a:latin typeface="+mn-ea"/>
-                <a:cs typeface="ＭＳ ゴシック"/>
-              </a:rPr>
-              <a:t>　</a:t>
-            </a:r>
-            <a:r>
-              <a:rPr lang="en-US" sz="3600" dirty="0">
-                <a:solidFill>
-                  <a:schemeClr val="bg1"/>
-                </a:solidFill>
-                <a:cs typeface="ＭＳ ゴシック"/>
-              </a:rPr>
-              <a:t>notepad  file02.txt</a:t>
-            </a:r>
-            <a:endParaRPr lang="en-US" sz="3200" dirty="0">
-              <a:solidFill>
-                <a:schemeClr val="bg1"/>
-              </a:solidFill>
-              <a:cs typeface="ＭＳ ゴシック"/>
-            </a:endParaRPr>
-          </a:p>
-          <a:p>
-            <a:pPr marL="12700">
-              <a:lnSpc>
-                <a:spcPct val="100000"/>
-              </a:lnSpc>
-              <a:spcBef>
-                <a:spcPts val="95"/>
-              </a:spcBef>
-            </a:pPr>
-            <a:endParaRPr lang="en-US" sz="2800" dirty="0">
-              <a:latin typeface="+mn-ea"/>
-              <a:cs typeface="ＭＳ ゴシック"/>
-            </a:endParaRPr>
-          </a:p>
-          <a:p>
-            <a:pPr marL="12700">
-              <a:lnSpc>
-                <a:spcPct val="100000"/>
-              </a:lnSpc>
-              <a:spcBef>
-                <a:spcPts val="95"/>
-              </a:spcBef>
-            </a:pPr>
-            <a:r>
               <a:rPr lang="ja-JP" altLang="en-US" sz="2800" dirty="0">
                 <a:latin typeface="+mn-ea"/>
                 <a:cs typeface="ＭＳ ゴシック"/>
@@ -6610,7 +6580,7 @@
         <p:spPr>
           <a:xfrm>
             <a:off x="8763000" y="2133600"/>
-            <a:ext cx="3164205" cy="3188052"/>
+            <a:ext cx="3164205" cy="2126223"/>
           </a:xfrm>
           <a:prstGeom prst="rect">
             <a:avLst/>
@@ -6639,11 +6609,18 @@
               </a:spcBef>
             </a:pPr>
             <a:r>
+              <a:rPr lang="ja-JP" altLang="en-US" sz="3200" spc="-25" dirty="0" err="1">
+                <a:latin typeface="ＭＳ ゴシック"/>
+                <a:cs typeface="ＭＳ ゴシック"/>
+              </a:rPr>
+              <a:t>ひの</a:t>
+            </a:r>
+            <a:r>
               <a:rPr lang="ja-JP" altLang="en-US" sz="3200" spc="-25" dirty="0">
                 <a:latin typeface="ＭＳ ゴシック"/>
                 <a:cs typeface="ＭＳ ゴシック"/>
               </a:rPr>
-              <a:t>ひのき</a:t>
+              <a:t>き</a:t>
             </a:r>
             <a:r>
               <a:rPr sz="3200" spc="-25" dirty="0" err="1">
@@ -6652,34 +6629,6 @@
               </a:rPr>
               <a:t>の棒</a:t>
             </a:r>
-            <a:endParaRPr lang="en-US" sz="3200" spc="-25" dirty="0">
-              <a:latin typeface="ＭＳ ゴシック"/>
-              <a:cs typeface="ＭＳ ゴシック"/>
-            </a:endParaRPr>
-          </a:p>
-          <a:p>
-            <a:pPr marL="92710">
-              <a:lnSpc>
-                <a:spcPct val="100000"/>
-              </a:lnSpc>
-              <a:spcBef>
-                <a:spcPts val="320"/>
-              </a:spcBef>
-            </a:pPr>
-            <a:endParaRPr lang="en-US" sz="3200" spc="-25" dirty="0">
-              <a:latin typeface="ＭＳ ゴシック"/>
-              <a:cs typeface="ＭＳ ゴシック"/>
-            </a:endParaRPr>
-          </a:p>
-          <a:p>
-            <a:pPr marL="92710">
-              <a:lnSpc>
-                <a:spcPct val="100000"/>
-              </a:lnSpc>
-              <a:spcBef>
-                <a:spcPts val="320"/>
-              </a:spcBef>
-            </a:pPr>
             <a:endParaRPr lang="en-US" sz="3200" spc="-25" dirty="0">
               <a:latin typeface="ＭＳ ゴシック"/>
               <a:cs typeface="ＭＳ ゴシック"/>
@@ -6908,7 +6857,7 @@
         </p:blipFill>
         <p:spPr>
           <a:xfrm>
-            <a:off x="8750133" y="5473517"/>
+            <a:off x="8716098" y="4507190"/>
             <a:ext cx="3177072" cy="1123598"/>
           </a:xfrm>
           <a:prstGeom prst="rect">
@@ -6935,7 +6884,7 @@
         </p:nvSpPr>
         <p:spPr>
           <a:xfrm>
-            <a:off x="10368217" y="6096000"/>
+            <a:off x="10334182" y="5129673"/>
             <a:ext cx="1366583" cy="533400"/>
           </a:xfrm>
           <a:prstGeom prst="rect">
@@ -6987,7 +6936,7 @@
         </p:nvSpPr>
         <p:spPr>
           <a:xfrm>
-            <a:off x="8750133" y="5473517"/>
+            <a:off x="8716098" y="4507190"/>
             <a:ext cx="2292615" cy="523220"/>
           </a:xfrm>
           <a:prstGeom prst="rect">
@@ -7025,7 +6974,7 @@
         </p:nvCxnSpPr>
         <p:spPr>
           <a:xfrm>
-            <a:off x="11042748" y="5735127"/>
+            <a:off x="11008713" y="4768800"/>
             <a:ext cx="145785" cy="352839"/>
           </a:xfrm>
           <a:prstGeom prst="straightConnector1">
@@ -8344,11 +8293,11 @@
               <a:t>10</a:t>
             </a:r>
             <a:r>
-              <a:rPr sz="4400" spc="-20" dirty="0">
+              <a:rPr lang="ja-JP" altLang="en-US" sz="4400" spc="-20" dirty="0">
                 <a:latin typeface="ＭＳ ゴシック"/>
-                <a:cs typeface="ＭＳ ゴシック"/>
-              </a:rPr>
-              <a:t>▯</a:t>
+                <a:cs typeface="Century Gothic"/>
+              </a:rPr>
+              <a:t>，</a:t>
             </a:r>
             <a:r>
               <a:rPr lang="ja-JP" altLang="en-US" sz="4400" spc="-20" dirty="0">
@@ -8443,7 +8392,7 @@
         </p:nvSpPr>
         <p:spPr>
           <a:xfrm>
-            <a:off x="705612" y="2403373"/>
+            <a:off x="705612" y="2224735"/>
             <a:ext cx="11257788" cy="2740879"/>
           </a:xfrm>
           <a:prstGeom prst="rect">
@@ -8671,7 +8620,34 @@
                 </a:solidFill>
                 <a:cs typeface="ＭＳ ゴシック"/>
               </a:rPr>
-              <a:t>"%d%d%s"</a:t>
+              <a:t>"%</a:t>
+            </a:r>
+            <a:r>
+              <a:rPr sz="3200" b="1" dirty="0" err="1">
+                <a:solidFill>
+                  <a:srgbClr val="FF0000"/>
+                </a:solidFill>
+                <a:cs typeface="ＭＳ ゴシック"/>
+              </a:rPr>
+              <a:t>d%d</a:t>
+            </a:r>
+            <a:r>
+              <a:rPr lang="en-US" altLang="ja-JP" sz="3200" b="1" dirty="0">
+                <a:solidFill>
+                  <a:srgbClr val="FF0000"/>
+                </a:solidFill>
+                <a:cs typeface="ＭＳ ゴシック"/>
+              </a:rPr>
+              <a:t>,</a:t>
+            </a:r>
+            <a:r>
+              <a:rPr sz="3200" b="1" dirty="0">
+                <a:solidFill>
+                  <a:srgbClr val="FF0000"/>
+                </a:solidFill>
+                <a:cs typeface="ＭＳ ゴシック"/>
+              </a:rPr>
+              <a:t>%s"</a:t>
             </a:r>
             <a:r>
               <a:rPr sz="3200" dirty="0">
@@ -8982,10 +8958,10 @@
         </p:nvGrpSpPr>
         <p:grpSpPr>
           <a:xfrm>
-            <a:off x="8473249" y="3000527"/>
-            <a:ext cx="1348359" cy="755146"/>
-            <a:chOff x="8024241" y="2971800"/>
-            <a:chExt cx="1348359" cy="755146"/>
+            <a:off x="7939302" y="2971800"/>
+            <a:ext cx="1107996" cy="856873"/>
+            <a:chOff x="7657743" y="2971800"/>
+            <a:chExt cx="1107996" cy="856873"/>
           </a:xfrm>
         </p:grpSpPr>
         <p:sp>
@@ -9036,52 +9012,6 @@
         </p:sp>
         <p:sp>
           <p:nvSpPr>
-            <p:cNvPr id="12" name="矢印: 下 11">
-              <a:extLst>
-                <a:ext uri="{FF2B5EF4-FFF2-40B4-BE49-F238E27FC236}">
-                  <a16:creationId xmlns:a16="http://schemas.microsoft.com/office/drawing/2014/main" id="{DF733FA0-C158-7C55-FD89-E70EDD8141D7}"/>
-                </a:ext>
-              </a:extLst>
-            </p:cNvPr>
-            <p:cNvSpPr/>
-            <p:nvPr/>
-          </p:nvSpPr>
-          <p:spPr>
-            <a:xfrm flipV="1">
-              <a:off x="9144000" y="2971800"/>
-              <a:ext cx="228600" cy="381000"/>
-            </a:xfrm>
-            <a:prstGeom prst="downArrow">
-              <a:avLst/>
-            </a:prstGeom>
-          </p:spPr>
-          <p:style>
-            <a:lnRef idx="2">
-              <a:schemeClr val="accent1">
-                <a:shade val="15000"/>
-              </a:schemeClr>
-            </a:lnRef>
-            <a:fillRef idx="1">
-              <a:schemeClr val="accent1"/>
-            </a:fillRef>
-            <a:effectRef idx="0">
-              <a:schemeClr val="accent1"/>
-            </a:effectRef>
-            <a:fontRef idx="minor">
-              <a:schemeClr val="lt1"/>
-            </a:fontRef>
-          </p:style>
-          <p:txBody>
-            <a:bodyPr rtlCol="0" anchor="ctr"/>
-            <a:lstStyle/>
-            <a:p>
-              <a:pPr algn="ctr"/>
-              <a:endParaRPr kumimoji="1" lang="ja-JP" altLang="en-US"/>
-            </a:p>
-          </p:txBody>
-        </p:sp>
-        <p:sp>
-          <p:nvSpPr>
             <p:cNvPr id="13" name="テキスト ボックス 12">
               <a:extLst>
                 <a:ext uri="{FF2B5EF4-FFF2-40B4-BE49-F238E27FC236}">
@@ -9094,7 +9024,7 @@
           </p:nvSpPr>
           <p:spPr>
             <a:xfrm>
-              <a:off x="8198207" y="3265281"/>
+              <a:off x="7657743" y="3367008"/>
               <a:ext cx="1107996" cy="461665"/>
             </a:xfrm>
             <a:prstGeom prst="rect">
@@ -13085,7 +13015,7 @@
         </p:nvSpPr>
         <p:spPr>
           <a:xfrm>
-            <a:off x="501694" y="2670726"/>
+            <a:off x="965223" y="2205631"/>
             <a:ext cx="10697934" cy="1503617"/>
           </a:xfrm>
           <a:prstGeom prst="rect">
@@ -13278,7 +13208,7 @@
         </p:nvSpPr>
         <p:spPr>
           <a:xfrm>
-            <a:off x="501694" y="4038600"/>
+            <a:off x="609600" y="3418114"/>
             <a:ext cx="11690306" cy="2512867"/>
           </a:xfrm>
           <a:prstGeom prst="rect">
@@ -13498,6 +13428,9 @@
             </a:pPr>
             <a:r>
               <a:rPr lang="en-US" sz="4000" spc="-50" dirty="0" err="1">
+                <a:solidFill>
+                  <a:srgbClr val="FF66FF"/>
+                </a:solidFill>
                 <a:latin typeface="+mj-lt"/>
                 <a:cs typeface="Century Gothic"/>
               </a:rPr>

--- a/授業資料/授業資料：ファイル処理.pptx
+++ b/授業資料/授業資料：ファイル処理.pptx
@@ -22,6 +22,7 @@
     <p:sldId id="265" r:id="rId16"/>
     <p:sldId id="266" r:id="rId17"/>
     <p:sldId id="267" r:id="rId18"/>
+    <p:sldId id="283" r:id="rId19"/>
   </p:sldIdLst>
   <p:sldSz cx="12192000" cy="6858000"/>
   <p:notesSz cx="12192000" cy="6858000"/>
@@ -336,7 +337,7 @@
           <a:p>
             <a:fld id="{1D8BD707-D9CF-40AE-B4C6-C98DA3205C09}" type="datetimeFigureOut">
               <a:rPr lang="en-US" smtClean="0"/>
-              <a:t>6/18/2025</a:t>
+              <a:t>6/19/2025</a:t>
             </a:fld>
             <a:endParaRPr lang="en-US"/>
           </a:p>
@@ -566,7 +567,7 @@
           <a:p>
             <a:fld id="{1D8BD707-D9CF-40AE-B4C6-C98DA3205C09}" type="datetimeFigureOut">
               <a:rPr lang="en-US" smtClean="0"/>
-              <a:t>6/18/2025</a:t>
+              <a:t>6/19/2025</a:t>
             </a:fld>
             <a:endParaRPr lang="en-US"/>
           </a:p>
@@ -806,7 +807,7 @@
           <a:p>
             <a:fld id="{1D8BD707-D9CF-40AE-B4C6-C98DA3205C09}" type="datetimeFigureOut">
               <a:rPr lang="en-US" smtClean="0"/>
-              <a:t>6/18/2025</a:t>
+              <a:t>6/19/2025</a:t>
             </a:fld>
             <a:endParaRPr lang="en-US"/>
           </a:p>
@@ -968,7 +969,7 @@
           <a:p>
             <a:fld id="{1D8BD707-D9CF-40AE-B4C6-C98DA3205C09}" type="datetimeFigureOut">
               <a:rPr lang="en-US"/>
-              <a:t>6/18/2025</a:t>
+              <a:t>6/19/2025</a:t>
             </a:fld>
             <a:endParaRPr lang="en-US"/>
           </a:p>
@@ -1176,7 +1177,7 @@
           <a:p>
             <a:fld id="{1D8BD707-D9CF-40AE-B4C6-C98DA3205C09}" type="datetimeFigureOut">
               <a:rPr lang="en-US" smtClean="0"/>
-              <a:t>6/18/2025</a:t>
+              <a:t>6/19/2025</a:t>
             </a:fld>
             <a:endParaRPr lang="en-US"/>
           </a:p>
@@ -1451,7 +1452,7 @@
           <a:p>
             <a:fld id="{1D8BD707-D9CF-40AE-B4C6-C98DA3205C09}" type="datetimeFigureOut">
               <a:rPr lang="en-US" smtClean="0"/>
-              <a:t>6/18/2025</a:t>
+              <a:t>6/19/2025</a:t>
             </a:fld>
             <a:endParaRPr lang="en-US"/>
           </a:p>
@@ -1780,7 +1781,7 @@
           <a:p>
             <a:fld id="{1D8BD707-D9CF-40AE-B4C6-C98DA3205C09}" type="datetimeFigureOut">
               <a:rPr lang="en-US" smtClean="0"/>
-              <a:t>6/18/2025</a:t>
+              <a:t>6/19/2025</a:t>
             </a:fld>
             <a:endParaRPr lang="en-US"/>
           </a:p>
@@ -2256,7 +2257,7 @@
           <a:p>
             <a:fld id="{1D8BD707-D9CF-40AE-B4C6-C98DA3205C09}" type="datetimeFigureOut">
               <a:rPr lang="en-US" smtClean="0"/>
-              <a:t>6/18/2025</a:t>
+              <a:t>6/19/2025</a:t>
             </a:fld>
             <a:endParaRPr lang="en-US"/>
           </a:p>
@@ -2397,7 +2398,7 @@
           <a:p>
             <a:fld id="{1D8BD707-D9CF-40AE-B4C6-C98DA3205C09}" type="datetimeFigureOut">
               <a:rPr lang="en-US" smtClean="0"/>
-              <a:t>6/18/2025</a:t>
+              <a:t>6/19/2025</a:t>
             </a:fld>
             <a:endParaRPr lang="en-US"/>
           </a:p>
@@ -2510,7 +2511,7 @@
           <a:p>
             <a:fld id="{1D8BD707-D9CF-40AE-B4C6-C98DA3205C09}" type="datetimeFigureOut">
               <a:rPr lang="en-US" smtClean="0"/>
-              <a:t>6/18/2025</a:t>
+              <a:t>6/19/2025</a:t>
             </a:fld>
             <a:endParaRPr lang="en-US"/>
           </a:p>
@@ -2853,7 +2854,7 @@
           <a:p>
             <a:fld id="{1D8BD707-D9CF-40AE-B4C6-C98DA3205C09}" type="datetimeFigureOut">
               <a:rPr lang="en-US" smtClean="0"/>
-              <a:t>6/18/2025</a:t>
+              <a:t>6/19/2025</a:t>
             </a:fld>
             <a:endParaRPr lang="en-US"/>
           </a:p>
@@ -3157,7 +3158,7 @@
           <a:p>
             <a:fld id="{1D8BD707-D9CF-40AE-B4C6-C98DA3205C09}" type="datetimeFigureOut">
               <a:rPr lang="en-US" smtClean="0"/>
-              <a:t>6/18/2025</a:t>
+              <a:t>6/19/2025</a:t>
             </a:fld>
             <a:endParaRPr lang="en-US"/>
           </a:p>
@@ -3430,7 +3431,7 @@
           <a:p>
             <a:fld id="{1D8BD707-D9CF-40AE-B4C6-C98DA3205C09}" type="datetimeFigureOut">
               <a:rPr lang="en-US" smtClean="0"/>
-              <a:t>6/18/2025</a:t>
+              <a:t>6/19/2025</a:t>
             </a:fld>
             <a:endParaRPr lang="en-US"/>
           </a:p>
@@ -4372,7 +4373,7 @@
                 <a:latin typeface="+mj-lt"/>
                 <a:cs typeface="Century Gothic"/>
               </a:rPr>
-              <a:t>（使用例） </a:t>
+              <a:t>（変換指定子の使用例） </a:t>
             </a:r>
             <a:endParaRPr lang="en-US" altLang="ja-JP" sz="4000" b="1" dirty="0">
               <a:latin typeface="+mj-lt"/>
@@ -4501,12 +4502,6 @@
             </a:br>
             <a:r>
               <a:rPr lang="en-US" sz="4000" spc="-25" dirty="0" err="1">
-                <a:solidFill>
-                  <a:schemeClr val="tx1">
-                    <a:lumMod val="65000"/>
-                    <a:lumOff val="35000"/>
-                  </a:schemeClr>
-                </a:solidFill>
                 <a:latin typeface="+mj-lt"/>
                 <a:cs typeface="ＭＳ ゴシック"/>
               </a:rPr>
@@ -4514,12 +4509,6 @@
             </a:r>
             <a:r>
               <a:rPr lang="en-US" sz="4000" spc="-25" dirty="0">
-                <a:solidFill>
-                  <a:schemeClr val="tx1">
-                    <a:lumMod val="65000"/>
-                    <a:lumOff val="35000"/>
-                  </a:schemeClr>
-                </a:solidFill>
                 <a:latin typeface="+mj-lt"/>
                 <a:cs typeface="ＭＳ ゴシック"/>
               </a:rPr>
@@ -4527,12 +4516,6 @@
             </a:r>
             <a:r>
               <a:rPr lang="en-US" sz="4000" spc="-25" dirty="0" err="1">
-                <a:solidFill>
-                  <a:schemeClr val="tx1">
-                    <a:lumMod val="65000"/>
-                    <a:lumOff val="35000"/>
-                  </a:schemeClr>
-                </a:solidFill>
                 <a:latin typeface="+mj-lt"/>
                 <a:cs typeface="ＭＳ ゴシック"/>
               </a:rPr>
@@ -4540,12 +4523,6 @@
             </a:r>
             <a:r>
               <a:rPr lang="en-US" sz="4000" spc="-25" dirty="0">
-                <a:solidFill>
-                  <a:schemeClr val="tx1">
-                    <a:lumMod val="65000"/>
-                    <a:lumOff val="35000"/>
-                  </a:schemeClr>
-                </a:solidFill>
                 <a:latin typeface="+mj-lt"/>
                 <a:cs typeface="ＭＳ ゴシック"/>
               </a:rPr>
@@ -4553,12 +4530,6 @@
             </a:r>
             <a:r>
               <a:rPr lang="en-US" sz="4000" spc="-25" dirty="0" err="1">
-                <a:solidFill>
-                  <a:schemeClr val="tx1">
-                    <a:lumMod val="65000"/>
-                    <a:lumOff val="35000"/>
-                  </a:schemeClr>
-                </a:solidFill>
                 <a:latin typeface="+mj-lt"/>
                 <a:cs typeface="ＭＳ ゴシック"/>
               </a:rPr>
@@ -4566,12 +4537,6 @@
             </a:r>
             <a:r>
               <a:rPr lang="en-US" sz="4000" spc="-25" dirty="0">
-                <a:solidFill>
-                  <a:schemeClr val="tx1">
-                    <a:lumMod val="65000"/>
-                    <a:lumOff val="35000"/>
-                  </a:schemeClr>
-                </a:solidFill>
                 <a:latin typeface="+mj-lt"/>
                 <a:cs typeface="ＭＳ ゴシック"/>
               </a:rPr>
@@ -5178,7 +5143,7 @@
         <p:spPr>
           <a:xfrm>
             <a:off x="522514" y="4024261"/>
-            <a:ext cx="10820400" cy="2340384"/>
+            <a:ext cx="10820400" cy="1786386"/>
           </a:xfrm>
           <a:prstGeom prst="rect">
             <a:avLst/>
@@ -5294,71 +5259,6 @@
                 <a:cs typeface="0xProto" panose="02000009000000000000" pitchFamily="49" charset="0"/>
               </a:rPr>
               <a:t>);</a:t>
-            </a:r>
-            <a:br>
-              <a:rPr lang="en-US" sz="3600" spc="-10" dirty="0">
-                <a:latin typeface="0xProto" panose="02000009000000000000" pitchFamily="49" charset="0"/>
-                <a:cs typeface="0xProto" panose="02000009000000000000" pitchFamily="49" charset="0"/>
-              </a:rPr>
-            </a:br>
-            <a:r>
-              <a:rPr lang="en-US" altLang="ja-JP" sz="3600" dirty="0" err="1">
-                <a:latin typeface="0xProto" panose="02000009000000000000" pitchFamily="49" charset="0"/>
-                <a:cs typeface="0xProto" panose="02000009000000000000" pitchFamily="49" charset="0"/>
-              </a:rPr>
-              <a:t>fscanf</a:t>
-            </a:r>
-            <a:r>
-              <a:rPr lang="en-US" altLang="ja-JP" sz="3600" dirty="0">
-                <a:latin typeface="0xProto" panose="02000009000000000000" pitchFamily="49" charset="0"/>
-                <a:cs typeface="0xProto" panose="02000009000000000000" pitchFamily="49" charset="0"/>
-              </a:rPr>
-              <a:t>(</a:t>
-            </a:r>
-            <a:r>
-              <a:rPr lang="en-US" altLang="ja-JP" sz="3600" dirty="0" err="1">
-                <a:latin typeface="0xProto" panose="02000009000000000000" pitchFamily="49" charset="0"/>
-                <a:cs typeface="0xProto" panose="02000009000000000000" pitchFamily="49" charset="0"/>
-              </a:rPr>
-              <a:t>fp</a:t>
-            </a:r>
-            <a:r>
-              <a:rPr lang="en-US" altLang="ja-JP" sz="3600" dirty="0">
-                <a:latin typeface="0xProto" panose="02000009000000000000" pitchFamily="49" charset="0"/>
-                <a:cs typeface="0xProto" panose="02000009000000000000" pitchFamily="49" charset="0"/>
-              </a:rPr>
-              <a:t>,</a:t>
-            </a:r>
-            <a:r>
-              <a:rPr lang="en-US" altLang="ja-JP" sz="3600" spc="-80" dirty="0">
-                <a:latin typeface="0xProto" panose="02000009000000000000" pitchFamily="49" charset="0"/>
-                <a:cs typeface="0xProto" panose="02000009000000000000" pitchFamily="49" charset="0"/>
-              </a:rPr>
-              <a:t> </a:t>
-            </a:r>
-            <a:r>
-              <a:rPr lang="en-US" altLang="ja-JP" sz="3600" spc="-10" dirty="0">
-                <a:latin typeface="0xProto" panose="02000009000000000000" pitchFamily="49" charset="0"/>
-                <a:cs typeface="0xProto" panose="02000009000000000000" pitchFamily="49" charset="0"/>
-              </a:rPr>
-              <a:t>"</a:t>
-            </a:r>
-            <a:r>
-              <a:rPr lang="en-US" altLang="ja-JP" sz="3600" spc="-10" dirty="0">
-                <a:solidFill>
-                  <a:srgbClr val="FF0000"/>
-                </a:solidFill>
-                <a:latin typeface="0xProto" panose="02000009000000000000" pitchFamily="49" charset="0"/>
-                <a:cs typeface="0xProto" panose="02000009000000000000" pitchFamily="49" charset="0"/>
-              </a:rPr>
-              <a:t>%s</a:t>
-            </a:r>
-            <a:r>
-              <a:rPr lang="en-US" altLang="ja-JP" sz="3600" spc="-10" dirty="0">
-                <a:latin typeface="0xProto" panose="02000009000000000000" pitchFamily="49" charset="0"/>
-                <a:cs typeface="0xProto" panose="02000009000000000000" pitchFamily="49" charset="0"/>
-              </a:rPr>
-              <a:t>", str);</a:t>
             </a:r>
             <a:br>
               <a:rPr lang="en-US" altLang="ja-JP" sz="3600" spc="-10" dirty="0">
@@ -5510,12 +5410,18 @@
             </a:r>
             <a:r>
               <a:rPr sz="2800" b="1" spc="-35" dirty="0">
+                <a:solidFill>
+                  <a:srgbClr val="00B050"/>
+                </a:solidFill>
                 <a:latin typeface="+mn-ea"/>
                 <a:cs typeface="ＭＳ ゴシック"/>
               </a:rPr>
               <a:t>変換指定子</a:t>
             </a:r>
             <a:endParaRPr sz="2800" dirty="0">
+              <a:solidFill>
+                <a:srgbClr val="00B050"/>
+              </a:solidFill>
               <a:latin typeface="+mn-ea"/>
               <a:cs typeface="ＭＳ ゴシック"/>
             </a:endParaRPr>
@@ -6107,7 +6013,7 @@
         </p:nvGrpSpPr>
         <p:grpSpPr>
           <a:xfrm>
-            <a:off x="3692397" y="3651250"/>
+            <a:off x="4876800" y="3554391"/>
             <a:ext cx="488315" cy="925830"/>
             <a:chOff x="3692397" y="3651250"/>
             <a:chExt cx="488315" cy="925830"/>
@@ -6465,7 +6371,35 @@
                 <a:latin typeface="+mn-ea"/>
                 <a:cs typeface="ＭＳ ゴシック"/>
               </a:rPr>
-              <a:t>②「ファイル」＞「名前を付けて保存」の画面から、</a:t>
+              <a:t>②「</a:t>
+            </a:r>
+            <a:r>
+              <a:rPr lang="ja-JP" altLang="en-US" sz="2800" b="1" dirty="0">
+                <a:latin typeface="+mn-ea"/>
+                <a:cs typeface="ＭＳ ゴシック"/>
+              </a:rPr>
+              <a:t>ファイル</a:t>
+            </a:r>
+            <a:r>
+              <a:rPr lang="ja-JP" altLang="en-US" sz="2800" dirty="0">
+                <a:latin typeface="+mn-ea"/>
+                <a:cs typeface="ＭＳ ゴシック"/>
+              </a:rPr>
+              <a:t>」＞「</a:t>
+            </a:r>
+            <a:r>
+              <a:rPr lang="ja-JP" altLang="en-US" sz="2800" b="1" dirty="0">
+                <a:latin typeface="+mn-ea"/>
+                <a:cs typeface="ＭＳ ゴシック"/>
+              </a:rPr>
+              <a:t>名前を付けて保存</a:t>
+            </a:r>
+            <a:r>
+              <a:rPr lang="ja-JP" altLang="en-US" sz="2800" dirty="0">
+                <a:latin typeface="+mn-ea"/>
+                <a:cs typeface="ＭＳ ゴシック"/>
+              </a:rPr>
+              <a:t>」の画面から、</a:t>
             </a:r>
             <a:br>
               <a:rPr lang="en-US" altLang="ja-JP" sz="2800" dirty="0">
@@ -9239,7 +9173,7 @@
         <p:spPr>
           <a:xfrm>
             <a:off x="1140052" y="2000834"/>
-            <a:ext cx="9985147" cy="4733988"/>
+            <a:ext cx="9985147" cy="4056880"/>
           </a:xfrm>
           <a:prstGeom prst="rect">
             <a:avLst/>
@@ -9262,18 +9196,6 @@
                 <a:tab pos="756285" algn="l"/>
               </a:tabLst>
             </a:pPr>
-            <a:r>
-              <a:rPr lang="ja-JP" altLang="en-US" sz="2800" b="1" spc="-30" dirty="0">
-                <a:uFill>
-                  <a:solidFill>
-                    <a:srgbClr val="000000"/>
-                  </a:solidFill>
-                </a:uFill>
-                <a:latin typeface="+mn-ea"/>
-                <a:cs typeface="ＭＳ ゴシック"/>
-              </a:rPr>
-              <a:t>①　</a:t>
-            </a:r>
             <a:r>
               <a:rPr sz="2800" b="1" spc="-30" dirty="0" err="1">
                 <a:uFill>
@@ -9519,77 +9441,25 @@
               </a:rPr>
             </a:br>
             <a:r>
-              <a:rPr lang="ja-JP" altLang="en-US" sz="3600" b="1" u="none" spc="-25" dirty="0">
-                <a:latin typeface="+mn-ea"/>
-                <a:cs typeface="Century Gothic"/>
-              </a:rPr>
-              <a:t>ただし、</a:t>
-            </a:r>
-            <a:r>
-              <a:rPr lang="en-US" altLang="ja-JP" sz="3600" b="1" u="none" spc="-25" dirty="0" err="1">
-                <a:cs typeface="Century Gothic"/>
-              </a:rPr>
-              <a:t>fgets</a:t>
-            </a:r>
-            <a:r>
-              <a:rPr lang="ja-JP" altLang="en-US" sz="3600" b="1" u="none" spc="-25" dirty="0">
-                <a:latin typeface="+mn-ea"/>
-                <a:cs typeface="Century Gothic"/>
-              </a:rPr>
-              <a:t>では</a:t>
-            </a:r>
-            <a:br>
+              <a:rPr lang="ja-JP" altLang="en-US" sz="2800" u="none" spc="-25" dirty="0">
+                <a:latin typeface="+mn-ea"/>
+                <a:cs typeface="Century Gothic"/>
+              </a:rPr>
+              <a:t>読み込むものがなかった場合は</a:t>
+            </a:r>
+            <a:r>
               <a:rPr lang="en-US" altLang="ja-JP" sz="3600" b="1" u="none" spc="-25" dirty="0">
-                <a:solidFill>
-                  <a:srgbClr val="00B0F0"/>
-                </a:solidFill>
-                <a:latin typeface="+mn-ea"/>
-                <a:cs typeface="Century Gothic"/>
-              </a:rPr>
-            </a:br>
-            <a:r>
-              <a:rPr lang="ja-JP" altLang="en-US" sz="3600" b="1" u="none" spc="-25" dirty="0">
-                <a:solidFill>
-                  <a:srgbClr val="00B0F0"/>
-                </a:solidFill>
-                <a:latin typeface="+mn-ea"/>
-                <a:cs typeface="Century Gothic"/>
-              </a:rPr>
-              <a:t>スペース</a:t>
-            </a:r>
-            <a:r>
-              <a:rPr lang="ja-JP" altLang="en-US" sz="3600" b="1" u="none" spc="-25" dirty="0">
-                <a:latin typeface="+mn-ea"/>
-                <a:cs typeface="Century Gothic"/>
-              </a:rPr>
-              <a:t>や</a:t>
-            </a:r>
-            <a:r>
-              <a:rPr lang="en-US" altLang="ja-JP" sz="3600" b="1" u="none" spc="-25" dirty="0">
-                <a:solidFill>
-                  <a:srgbClr val="00B0F0"/>
-                </a:solidFill>
-                <a:latin typeface="+mn-ea"/>
-                <a:cs typeface="Century Gothic"/>
-              </a:rPr>
-              <a:t>\n</a:t>
-            </a:r>
-            <a:r>
-              <a:rPr lang="ja-JP" altLang="en-US" sz="3600" b="1" u="none" spc="-25" dirty="0">
-                <a:solidFill>
-                  <a:srgbClr val="00B0F0"/>
-                </a:solidFill>
-                <a:latin typeface="+mn-ea"/>
-                <a:cs typeface="Century Gothic"/>
-              </a:rPr>
-              <a:t>（改行）</a:t>
-            </a:r>
-            <a:r>
-              <a:rPr lang="ja-JP" altLang="en-US" sz="3600" b="1" u="none" spc="-25" dirty="0">
-                <a:latin typeface="+mn-ea"/>
-                <a:cs typeface="Century Gothic"/>
-              </a:rPr>
-              <a:t>も一緒に読み込む</a:t>
+                <a:latin typeface="+mn-ea"/>
+                <a:cs typeface="Century Gothic"/>
+              </a:rPr>
+              <a:t>NULL</a:t>
+            </a:r>
+            <a:r>
+              <a:rPr lang="ja-JP" altLang="en-US" sz="2800" u="none" spc="-25" dirty="0">
+                <a:latin typeface="+mn-ea"/>
+                <a:cs typeface="Century Gothic"/>
+              </a:rPr>
+              <a:t>を返す</a:t>
             </a:r>
             <a:endParaRPr sz="4400" b="1" dirty="0">
               <a:latin typeface="+mn-ea"/>
@@ -10038,18 +9908,25 @@
               </a:spcBef>
             </a:pPr>
             <a:r>
-              <a:rPr sz="2400" dirty="0">
-                <a:latin typeface="+mn-ea"/>
-                <a:cs typeface="ＭＳ ゴシック"/>
-              </a:rPr>
-              <a:t>①</a:t>
-            </a:r>
-            <a:r>
               <a:rPr sz="3200" b="1" spc="-40" dirty="0" err="1">
                 <a:latin typeface="+mn-ea"/>
                 <a:cs typeface="ＭＳ ゴシック"/>
               </a:rPr>
-              <a:t>ファイルの文字列</a:t>
+              <a:t>ファイル</a:t>
+            </a:r>
+            <a:r>
+              <a:rPr lang="ja-JP" altLang="en-US" sz="3200" b="1" spc="-40" dirty="0">
+                <a:latin typeface="+mn-ea"/>
+                <a:cs typeface="ＭＳ ゴシック"/>
+              </a:rPr>
+              <a:t>から</a:t>
+            </a:r>
+            <a:r>
+              <a:rPr sz="3200" b="1" spc="-40" dirty="0" err="1">
+                <a:latin typeface="+mn-ea"/>
+                <a:cs typeface="ＭＳ ゴシック"/>
+              </a:rPr>
+              <a:t>文字列</a:t>
             </a:r>
             <a:r>
               <a:rPr sz="2400" spc="-15" dirty="0" err="1">
@@ -10612,7 +10489,511 @@
           </a:p>
         </p:txBody>
       </p:sp>
+      <p:sp>
+        <p:nvSpPr>
+          <p:cNvPr id="10" name="テキスト ボックス 9">
+            <a:extLst>
+              <a:ext uri="{FF2B5EF4-FFF2-40B4-BE49-F238E27FC236}">
+                <a16:creationId xmlns:a16="http://schemas.microsoft.com/office/drawing/2014/main" id="{2606FE09-FBCE-48A3-9F73-6C735E156D85}"/>
+              </a:ext>
+            </a:extLst>
+          </p:cNvPr>
+          <p:cNvSpPr txBox="1"/>
+          <p:nvPr/>
+        </p:nvSpPr>
+        <p:spPr>
+          <a:xfrm>
+            <a:off x="5466214" y="6155758"/>
+            <a:ext cx="6181500" cy="584775"/>
+          </a:xfrm>
+          <a:prstGeom prst="rect">
+            <a:avLst/>
+          </a:prstGeom>
+          <a:noFill/>
+        </p:spPr>
+        <p:txBody>
+          <a:bodyPr wrap="none" rtlCol="0">
+            <a:spAutoFit/>
+          </a:bodyPr>
+          <a:lstStyle/>
+          <a:p>
+            <a:r>
+              <a:rPr kumimoji="1" lang="ja-JP" altLang="en-US" sz="3200" dirty="0">
+                <a:latin typeface="+mn-ea"/>
+              </a:rPr>
+              <a:t>ｓｔｒ</a:t>
+            </a:r>
+            <a:r>
+              <a:rPr lang="ja-JP" altLang="en-US" sz="3200" dirty="0">
+                <a:latin typeface="+mn-ea"/>
+              </a:rPr>
+              <a:t>の中身</a:t>
+            </a:r>
+            <a:r>
+              <a:rPr kumimoji="1" lang="ja-JP" altLang="en-US" sz="3200" dirty="0">
+                <a:latin typeface="+mn-ea"/>
+              </a:rPr>
+              <a:t>：</a:t>
+            </a:r>
+            <a:r>
+              <a:rPr kumimoji="1" lang="ja-JP" altLang="en-US" sz="3200" dirty="0">
+                <a:solidFill>
+                  <a:srgbClr val="00B050"/>
+                </a:solidFill>
+                <a:latin typeface="+mn-ea"/>
+              </a:rPr>
+              <a:t>勇者の こうげき！</a:t>
+            </a:r>
+            <a:r>
+              <a:rPr kumimoji="1" lang="en-US" altLang="ja-JP" sz="3200" dirty="0">
+                <a:solidFill>
+                  <a:srgbClr val="00B050"/>
+                </a:solidFill>
+                <a:latin typeface="+mn-ea"/>
+              </a:rPr>
+              <a:t>\n</a:t>
+            </a:r>
+            <a:endParaRPr kumimoji="1" lang="ja-JP" altLang="en-US" sz="3200" dirty="0">
+              <a:solidFill>
+                <a:srgbClr val="00B050"/>
+              </a:solidFill>
+              <a:latin typeface="+mn-ea"/>
+            </a:endParaRPr>
+          </a:p>
+        </p:txBody>
+      </p:sp>
     </p:spTree>
+  </p:cSld>
+  <p:clrMapOvr>
+    <a:masterClrMapping/>
+  </p:clrMapOvr>
+</p:sld>
+</file>
+
+<file path=ppt/slides/slide18.xml><?xml version="1.0" encoding="utf-8"?>
+<p:sld xmlns:a="http://schemas.openxmlformats.org/drawingml/2006/main" xmlns:r="http://schemas.openxmlformats.org/officeDocument/2006/relationships" xmlns:p="http://schemas.openxmlformats.org/presentationml/2006/main">
+  <p:cSld>
+    <p:spTree>
+      <p:nvGrpSpPr>
+        <p:cNvPr id="1" name=""/>
+        <p:cNvGrpSpPr/>
+        <p:nvPr/>
+      </p:nvGrpSpPr>
+      <p:grpSpPr>
+        <a:xfrm>
+          <a:off x="0" y="0"/>
+          <a:ext cx="0" cy="0"/>
+          <a:chOff x="0" y="0"/>
+          <a:chExt cx="0" cy="0"/>
+        </a:xfrm>
+      </p:grpSpPr>
+      <p:sp>
+        <p:nvSpPr>
+          <p:cNvPr id="2" name="object 2"/>
+          <p:cNvSpPr txBox="1">
+            <a:spLocks noGrp="1"/>
+          </p:cNvSpPr>
+          <p:nvPr>
+            <p:ph type="title"/>
+          </p:nvPr>
+        </p:nvSpPr>
+        <p:spPr>
+          <a:xfrm>
+            <a:off x="762000" y="1143000"/>
+            <a:ext cx="3608704" cy="696595"/>
+          </a:xfrm>
+          <a:prstGeom prst="rect">
+            <a:avLst/>
+          </a:prstGeom>
+        </p:spPr>
+        <p:txBody>
+          <a:bodyPr vert="horz" wrap="square" lIns="0" tIns="13335" rIns="0" bIns="0" rtlCol="0">
+            <a:spAutoFit/>
+          </a:bodyPr>
+          <a:lstStyle/>
+          <a:p>
+            <a:pPr marL="12700">
+              <a:lnSpc>
+                <a:spcPct val="100000"/>
+              </a:lnSpc>
+              <a:spcBef>
+                <a:spcPts val="105"/>
+              </a:spcBef>
+            </a:pPr>
+            <a:r>
+              <a:rPr sz="4400" b="1" spc="-10" dirty="0" err="1">
+                <a:solidFill>
+                  <a:srgbClr val="FF0000"/>
+                </a:solidFill>
+                <a:latin typeface="+mn-lt"/>
+                <a:cs typeface="Century Gothic"/>
+              </a:rPr>
+              <a:t>fget</a:t>
+            </a:r>
+            <a:r>
+              <a:rPr lang="en-US" sz="4400" b="1" spc="-10" dirty="0" err="1">
+                <a:solidFill>
+                  <a:srgbClr val="FF0000"/>
+                </a:solidFill>
+                <a:latin typeface="+mn-lt"/>
+                <a:cs typeface="Century Gothic"/>
+              </a:rPr>
+              <a:t>c</a:t>
+            </a:r>
+            <a:r>
+              <a:rPr sz="3600" spc="-15" dirty="0" err="1"/>
+              <a:t>について</a:t>
+            </a:r>
+            <a:endParaRPr sz="3600" dirty="0">
+              <a:latin typeface="Century Gothic"/>
+              <a:cs typeface="Century Gothic"/>
+            </a:endParaRPr>
+          </a:p>
+        </p:txBody>
+      </p:sp>
+      <p:sp>
+        <p:nvSpPr>
+          <p:cNvPr id="5" name="object 5"/>
+          <p:cNvSpPr txBox="1"/>
+          <p:nvPr/>
+        </p:nvSpPr>
+        <p:spPr>
+          <a:xfrm>
+            <a:off x="1140052" y="2000834"/>
+            <a:ext cx="9985147" cy="3256661"/>
+          </a:xfrm>
+          <a:prstGeom prst="rect">
+            <a:avLst/>
+          </a:prstGeom>
+        </p:spPr>
+        <p:txBody>
+          <a:bodyPr vert="horz" wrap="square" lIns="0" tIns="12065" rIns="0" bIns="0" rtlCol="0">
+            <a:spAutoFit/>
+          </a:bodyPr>
+          <a:lstStyle/>
+          <a:p>
+            <a:pPr marL="12700">
+              <a:lnSpc>
+                <a:spcPct val="100000"/>
+              </a:lnSpc>
+              <a:spcBef>
+                <a:spcPts val="95"/>
+              </a:spcBef>
+              <a:tabLst>
+                <a:tab pos="756285" algn="l"/>
+              </a:tabLst>
+            </a:pPr>
+            <a:r>
+              <a:rPr sz="2800" b="1" spc="-30" dirty="0" err="1">
+                <a:uFill>
+                  <a:solidFill>
+                    <a:srgbClr val="000000"/>
+                  </a:solidFill>
+                </a:uFill>
+                <a:latin typeface="+mn-ea"/>
+                <a:cs typeface="ＭＳ ゴシック"/>
+              </a:rPr>
+              <a:t>ファイルから</a:t>
+            </a:r>
+            <a:r>
+              <a:rPr sz="2800" b="1" spc="-30" dirty="0" err="1">
+                <a:solidFill>
+                  <a:srgbClr val="FF0000"/>
+                </a:solidFill>
+                <a:uFill>
+                  <a:solidFill>
+                    <a:srgbClr val="FF0000"/>
+                  </a:solidFill>
+                </a:uFill>
+                <a:latin typeface="+mn-ea"/>
+                <a:cs typeface="ＭＳ ゴシック"/>
+              </a:rPr>
+              <a:t>一</a:t>
+            </a:r>
+            <a:r>
+              <a:rPr lang="ja-JP" altLang="en-US" sz="2800" b="1" spc="-30" dirty="0">
+                <a:solidFill>
+                  <a:srgbClr val="FF0000"/>
+                </a:solidFill>
+                <a:uFill>
+                  <a:solidFill>
+                    <a:srgbClr val="FF0000"/>
+                  </a:solidFill>
+                </a:uFill>
+                <a:latin typeface="+mn-ea"/>
+                <a:cs typeface="ＭＳ ゴシック"/>
+              </a:rPr>
+              <a:t>文字</a:t>
+            </a:r>
+            <a:r>
+              <a:rPr sz="2800" b="1" spc="-30" dirty="0" err="1">
+                <a:solidFill>
+                  <a:srgbClr val="FF0000"/>
+                </a:solidFill>
+                <a:uFill>
+                  <a:solidFill>
+                    <a:srgbClr val="FF0000"/>
+                  </a:solidFill>
+                </a:uFill>
+                <a:latin typeface="+mn-ea"/>
+                <a:cs typeface="ＭＳ ゴシック"/>
+              </a:rPr>
+              <a:t>読み込んで</a:t>
+            </a:r>
+            <a:r>
+              <a:rPr lang="ja-JP" altLang="en-US" sz="2800" b="1" spc="-30" dirty="0">
+                <a:solidFill>
+                  <a:srgbClr val="FF0000"/>
+                </a:solidFill>
+                <a:latin typeface="+mn-ea"/>
+                <a:cs typeface="ＭＳ ゴシック"/>
+              </a:rPr>
+              <a:t>文字を戻り値で返す</a:t>
+            </a:r>
+            <a:endParaRPr sz="2800" dirty="0">
+              <a:solidFill>
+                <a:srgbClr val="FF0000"/>
+              </a:solidFill>
+              <a:latin typeface="+mn-ea"/>
+              <a:cs typeface="ＭＳ ゴシック"/>
+            </a:endParaRPr>
+          </a:p>
+          <a:p>
+            <a:pPr>
+              <a:lnSpc>
+                <a:spcPct val="100000"/>
+              </a:lnSpc>
+              <a:spcBef>
+                <a:spcPts val="1280"/>
+              </a:spcBef>
+            </a:pPr>
+            <a:endParaRPr sz="2800" dirty="0">
+              <a:latin typeface="+mn-ea"/>
+              <a:cs typeface="ＭＳ ゴシック"/>
+            </a:endParaRPr>
+          </a:p>
+          <a:p>
+            <a:pPr marL="12700">
+              <a:lnSpc>
+                <a:spcPct val="100000"/>
+              </a:lnSpc>
+              <a:tabLst>
+                <a:tab pos="1841500" algn="l"/>
+              </a:tabLst>
+            </a:pPr>
+            <a:r>
+              <a:rPr sz="4400" spc="-10" dirty="0" err="1">
+                <a:cs typeface="Century Gothic"/>
+              </a:rPr>
+              <a:t>fget</a:t>
+            </a:r>
+            <a:r>
+              <a:rPr lang="en-US" sz="4400" spc="-10" dirty="0" err="1">
+                <a:cs typeface="Century Gothic"/>
+              </a:rPr>
+              <a:t>c</a:t>
+            </a:r>
+            <a:r>
+              <a:rPr sz="4400" spc="-10" dirty="0">
+                <a:latin typeface="+mn-ea"/>
+                <a:cs typeface="Century Gothic"/>
+              </a:rPr>
+              <a:t>(</a:t>
+            </a:r>
+            <a:r>
+              <a:rPr lang="en-US" altLang="ja-JP" sz="4400" spc="-10" dirty="0">
+                <a:latin typeface="+mn-ea"/>
+                <a:cs typeface="Century Gothic"/>
+              </a:rPr>
+              <a:t> </a:t>
+            </a:r>
+            <a:r>
+              <a:rPr sz="4400" spc="-145" dirty="0" err="1">
+                <a:solidFill>
+                  <a:srgbClr val="00B050"/>
+                </a:solidFill>
+                <a:uFill>
+                  <a:solidFill>
+                    <a:srgbClr val="00AFEF"/>
+                  </a:solidFill>
+                </a:uFill>
+                <a:latin typeface="+mn-ea"/>
+                <a:cs typeface="ＭＳ ゴシック"/>
+              </a:rPr>
+              <a:t>ファイル型ポインタ</a:t>
+            </a:r>
+            <a:r>
+              <a:rPr sz="4400" spc="-145" dirty="0">
+                <a:solidFill>
+                  <a:srgbClr val="00AFEF"/>
+                </a:solidFill>
+                <a:uFill>
+                  <a:solidFill>
+                    <a:srgbClr val="00AFEF"/>
+                  </a:solidFill>
+                </a:uFill>
+                <a:latin typeface="+mn-ea"/>
+                <a:cs typeface="ＭＳ ゴシック"/>
+              </a:rPr>
+              <a:t> </a:t>
+            </a:r>
+            <a:r>
+              <a:rPr sz="4400" u="none" spc="-25" dirty="0">
+                <a:latin typeface="+mn-ea"/>
+                <a:cs typeface="Century Gothic"/>
+              </a:rPr>
+              <a:t>);</a:t>
+            </a:r>
+            <a:br>
+              <a:rPr lang="en-US" sz="4400" u="none" spc="-25" dirty="0">
+                <a:latin typeface="+mn-ea"/>
+                <a:cs typeface="Century Gothic"/>
+              </a:rPr>
+            </a:br>
+            <a:br>
+              <a:rPr lang="en-US" sz="2800" u="none" spc="-25" dirty="0">
+                <a:latin typeface="+mn-ea"/>
+                <a:cs typeface="Century Gothic"/>
+              </a:rPr>
+            </a:br>
+            <a:r>
+              <a:rPr lang="en-US" altLang="ja-JP" sz="3600" b="1" u="none" spc="-25" dirty="0" err="1">
+                <a:cs typeface="Century Gothic"/>
+              </a:rPr>
+              <a:t>fgetc</a:t>
+            </a:r>
+            <a:r>
+              <a:rPr lang="ja-JP" altLang="en-US" sz="3600" b="1" u="none" spc="-25" dirty="0">
+                <a:latin typeface="+mn-ea"/>
+                <a:cs typeface="Century Gothic"/>
+              </a:rPr>
+              <a:t>では</a:t>
+            </a:r>
+            <a:br>
+              <a:rPr lang="en-US" altLang="ja-JP" sz="3600" b="1" u="none" spc="-25" dirty="0">
+                <a:solidFill>
+                  <a:srgbClr val="00B0F0"/>
+                </a:solidFill>
+                <a:latin typeface="+mn-ea"/>
+                <a:cs typeface="Century Gothic"/>
+              </a:rPr>
+            </a:br>
+            <a:r>
+              <a:rPr lang="ja-JP" altLang="en-US" sz="3600" b="1" u="none" spc="-25" dirty="0">
+                <a:solidFill>
+                  <a:srgbClr val="00B0F0"/>
+                </a:solidFill>
+                <a:latin typeface="+mn-ea"/>
+                <a:cs typeface="Century Gothic"/>
+              </a:rPr>
+              <a:t>スペース</a:t>
+            </a:r>
+            <a:r>
+              <a:rPr lang="ja-JP" altLang="en-US" sz="3600" b="1" u="none" spc="-25" dirty="0">
+                <a:latin typeface="+mn-ea"/>
+                <a:cs typeface="Century Gothic"/>
+              </a:rPr>
+              <a:t>や</a:t>
+            </a:r>
+            <a:r>
+              <a:rPr lang="en-US" altLang="ja-JP" sz="3600" b="1" u="none" spc="-25" dirty="0">
+                <a:solidFill>
+                  <a:srgbClr val="00B0F0"/>
+                </a:solidFill>
+                <a:latin typeface="+mn-ea"/>
+                <a:cs typeface="Century Gothic"/>
+              </a:rPr>
+              <a:t>\n</a:t>
+            </a:r>
+            <a:r>
+              <a:rPr lang="ja-JP" altLang="en-US" sz="3600" b="1" u="none" spc="-25" dirty="0">
+                <a:solidFill>
+                  <a:srgbClr val="00B0F0"/>
+                </a:solidFill>
+                <a:latin typeface="+mn-ea"/>
+                <a:cs typeface="Century Gothic"/>
+              </a:rPr>
+              <a:t>（改行）</a:t>
+            </a:r>
+            <a:r>
+              <a:rPr lang="ja-JP" altLang="en-US" sz="3600" b="1" u="none" spc="-25" dirty="0">
+                <a:latin typeface="+mn-ea"/>
+                <a:cs typeface="Century Gothic"/>
+              </a:rPr>
+              <a:t>も</a:t>
+            </a:r>
+            <a:r>
+              <a:rPr lang="ja-JP" altLang="en-US" sz="3600" b="1" u="none" spc="-25" dirty="0">
+                <a:solidFill>
+                  <a:srgbClr val="FF0000"/>
+                </a:solidFill>
+                <a:latin typeface="+mn-ea"/>
+                <a:cs typeface="Century Gothic"/>
+              </a:rPr>
+              <a:t>一文字として読み込む</a:t>
+            </a:r>
+            <a:endParaRPr sz="4400" b="1" dirty="0">
+              <a:solidFill>
+                <a:srgbClr val="FF0000"/>
+              </a:solidFill>
+              <a:latin typeface="+mn-ea"/>
+              <a:cs typeface="Century Gothic"/>
+            </a:endParaRPr>
+          </a:p>
+        </p:txBody>
+      </p:sp>
+      <p:sp>
+        <p:nvSpPr>
+          <p:cNvPr id="6" name="object 7">
+            <a:extLst>
+              <a:ext uri="{FF2B5EF4-FFF2-40B4-BE49-F238E27FC236}">
+                <a16:creationId xmlns:a16="http://schemas.microsoft.com/office/drawing/2014/main" id="{E059DDD5-1164-2507-846B-F723BAB3977A}"/>
+              </a:ext>
+            </a:extLst>
+          </p:cNvPr>
+          <p:cNvSpPr txBox="1"/>
+          <p:nvPr/>
+        </p:nvSpPr>
+        <p:spPr>
+          <a:xfrm>
+            <a:off x="838200" y="304800"/>
+            <a:ext cx="7914005" cy="689291"/>
+          </a:xfrm>
+          <a:prstGeom prst="rect">
+            <a:avLst/>
+          </a:prstGeom>
+        </p:spPr>
+        <p:txBody>
+          <a:bodyPr vert="horz" wrap="square" lIns="0" tIns="12065" rIns="0" bIns="0" rtlCol="0">
+            <a:spAutoFit/>
+          </a:bodyPr>
+          <a:lstStyle/>
+          <a:p>
+            <a:pPr marL="12700">
+              <a:lnSpc>
+                <a:spcPct val="100000"/>
+              </a:lnSpc>
+              <a:spcBef>
+                <a:spcPts val="95"/>
+              </a:spcBef>
+            </a:pPr>
+            <a:r>
+              <a:rPr lang="ja-JP" altLang="en-US" sz="4400" b="1" dirty="0"/>
+              <a:t>ファイル読み込み</a:t>
+            </a:r>
+            <a:endParaRPr sz="2000" dirty="0">
+              <a:latin typeface="+mn-ea"/>
+              <a:cs typeface="ＭＳ ゴシック"/>
+            </a:endParaRPr>
+          </a:p>
+        </p:txBody>
+      </p:sp>
+    </p:spTree>
+    <p:extLst>
+      <p:ext uri="{BB962C8B-B14F-4D97-AF65-F5344CB8AC3E}">
+        <p14:creationId xmlns:p14="http://schemas.microsoft.com/office/powerpoint/2010/main" val="1539619570"/>
+      </p:ext>
+    </p:extLst>
   </p:cSld>
   <p:clrMapOvr>
     <a:masterClrMapping/>
@@ -11412,7 +11793,7 @@
         </p:nvSpPr>
         <p:spPr>
           <a:xfrm>
-            <a:off x="819828" y="3293230"/>
+            <a:off x="1404619" y="2813109"/>
             <a:ext cx="10787381" cy="627736"/>
           </a:xfrm>
           <a:prstGeom prst="rect">
@@ -11523,7 +11904,7 @@
         </p:nvSpPr>
         <p:spPr>
           <a:xfrm>
-            <a:off x="1045135" y="4332605"/>
+            <a:off x="1629926" y="3852484"/>
             <a:ext cx="2465705" cy="513715"/>
           </a:xfrm>
           <a:prstGeom prst="rect">
@@ -11566,7 +11947,7 @@
         </p:nvSpPr>
         <p:spPr>
           <a:xfrm>
-            <a:off x="3161665" y="4412742"/>
+            <a:off x="3746456" y="3932621"/>
             <a:ext cx="2858135" cy="408940"/>
           </a:xfrm>
           <a:prstGeom prst="rect">
@@ -11609,7 +11990,7 @@
         </p:nvSpPr>
         <p:spPr>
           <a:xfrm>
-            <a:off x="1045135" y="4820285"/>
+            <a:off x="1629926" y="4340164"/>
             <a:ext cx="1651635" cy="513715"/>
           </a:xfrm>
           <a:prstGeom prst="rect">
@@ -11652,7 +12033,7 @@
         </p:nvSpPr>
         <p:spPr>
           <a:xfrm>
-            <a:off x="2514600" y="4914493"/>
+            <a:off x="3099391" y="4434372"/>
             <a:ext cx="4800600" cy="410369"/>
           </a:xfrm>
           <a:prstGeom prst="rect">
@@ -11702,8 +12083,8 @@
         </p:nvSpPr>
         <p:spPr>
           <a:xfrm>
-            <a:off x="795019" y="5631281"/>
-            <a:ext cx="9373235" cy="513715"/>
+            <a:off x="1379810" y="5151160"/>
+            <a:ext cx="10431190" cy="997709"/>
           </a:xfrm>
           <a:prstGeom prst="rect">
             <a:avLst/>
@@ -11750,6 +12131,19 @@
                 <a:cs typeface="ＭＳ ゴシック"/>
               </a:rPr>
               <a:t>。</a:t>
+            </a:r>
+            <a:br>
+              <a:rPr lang="en-US" altLang="ja-JP" sz="3200" spc="-20" dirty="0">
+                <a:latin typeface="ＭＳ ゴシック"/>
+                <a:cs typeface="ＭＳ ゴシック"/>
+              </a:rPr>
+            </a:br>
+            <a:r>
+              <a:rPr lang="ja-JP" altLang="en-US" sz="3200" spc="-20" dirty="0">
+                <a:latin typeface="ＭＳ ゴシック"/>
+                <a:cs typeface="ＭＳ ゴシック"/>
+              </a:rPr>
+              <a:t>ただし、ポインタ変数の内容については気にしなくてよい。</a:t>
             </a:r>
             <a:endParaRPr sz="3200" dirty="0">
               <a:latin typeface="ＭＳ ゴシック"/>
@@ -12041,7 +12435,7 @@
         <p:spPr>
           <a:xfrm>
             <a:off x="501694" y="766467"/>
-            <a:ext cx="10876915" cy="2148024"/>
+            <a:ext cx="10876915" cy="2517356"/>
           </a:xfrm>
           <a:prstGeom prst="rect">
             <a:avLst/>
@@ -12219,7 +12613,7 @@
                 <a:solidFill>
                   <a:srgbClr val="FF0000"/>
                 </a:solidFill>
-                <a:latin typeface="ＭＳ ゴシック"/>
+                <a:latin typeface="+mn-ea"/>
                 <a:cs typeface="ＭＳ ゴシック"/>
               </a:rPr>
               <a:t>NULL</a:t>
@@ -12286,7 +12680,7 @@
         <p:spPr>
           <a:xfrm>
             <a:off x="501694" y="4812788"/>
-            <a:ext cx="11690306" cy="1748556"/>
+            <a:ext cx="11690306" cy="1256113"/>
           </a:xfrm>
           <a:prstGeom prst="rect">
             <a:avLst/>
@@ -12313,15 +12707,13 @@
               </a:rPr>
               <a:t>（使用例）</a:t>
             </a:r>
-            <a:br>
+            <a:r>
               <a:rPr lang="en-US" altLang="ja-JP" sz="3200" b="1" dirty="0">
-                <a:solidFill>
-                  <a:srgbClr val="00AFEF"/>
-                </a:solidFill>
-                <a:latin typeface="+mj-lt"/>
-                <a:cs typeface="Century Gothic"/>
-              </a:rPr>
-            </a:br>
+                <a:latin typeface="+mj-lt"/>
+                <a:cs typeface="Century Gothic"/>
+              </a:rPr>
+              <a:t>	</a:t>
+            </a:r>
             <a:r>
               <a:rPr sz="4000" dirty="0">
                 <a:latin typeface="+mj-lt"/>
@@ -12363,6 +12755,26 @@
                 <a:spcPts val="95"/>
               </a:spcBef>
             </a:pPr>
+            <a:r>
+              <a:rPr lang="ja-JP" altLang="en-US" sz="4000" dirty="0">
+                <a:solidFill>
+                  <a:srgbClr val="00B0F0"/>
+                </a:solidFill>
+                <a:latin typeface="+mj-lt"/>
+                <a:cs typeface="Century Gothic"/>
+              </a:rPr>
+              <a:t>　　　　　</a:t>
+            </a:r>
+            <a:r>
+              <a:rPr lang="en-US" altLang="ja-JP" sz="4000" dirty="0">
+                <a:solidFill>
+                  <a:srgbClr val="00B0F0"/>
+                </a:solidFill>
+                <a:latin typeface="+mj-lt"/>
+                <a:cs typeface="Century Gothic"/>
+              </a:rPr>
+              <a:t>	</a:t>
+            </a:r>
             <a:r>
               <a:rPr lang="en-US" altLang="ja-JP" sz="4000" dirty="0" err="1">
                 <a:solidFill>
@@ -13331,29 +13743,13 @@
             </a:r>
             <a:r>
               <a:rPr sz="4000" dirty="0">
-                <a:solidFill>
-                  <a:srgbClr val="252525"/>
-                </a:solidFill>
-                <a:latin typeface="+mj-lt"/>
-                <a:cs typeface="Century Gothic"/>
-              </a:rPr>
-              <a:t>(</a:t>
-            </a:r>
-            <a:r>
-              <a:rPr sz="4000" dirty="0">
-                <a:solidFill>
-                  <a:srgbClr val="FF0000"/>
-                </a:solidFill>
-                <a:latin typeface="+mj-lt"/>
-                <a:cs typeface="Century Gothic"/>
-              </a:rPr>
-              <a:t>“</a:t>
+                <a:latin typeface="+mj-lt"/>
+                <a:cs typeface="Century Gothic"/>
+              </a:rPr>
+              <a:t>(“</a:t>
             </a:r>
             <a:r>
               <a:rPr lang="en-US" sz="4000" spc="-30" dirty="0" err="1">
-                <a:solidFill>
-                  <a:srgbClr val="FF0000"/>
-                </a:solidFill>
                 <a:latin typeface="+mj-lt"/>
                 <a:cs typeface="Century Gothic"/>
               </a:rPr>
@@ -13361,26 +13757,13 @@
             </a:r>
             <a:r>
               <a:rPr sz="4000" dirty="0" err="1">
-                <a:solidFill>
-                  <a:srgbClr val="FF0000"/>
-                </a:solidFill>
-                <a:latin typeface="+mj-lt"/>
-                <a:cs typeface="Century Gothic"/>
-              </a:rPr>
-              <a:t>.txt”</a:t>
-            </a:r>
-            <a:r>
-              <a:rPr sz="4000" dirty="0" err="1">
-                <a:latin typeface="+mj-lt"/>
-                <a:cs typeface="Century Gothic"/>
-              </a:rPr>
-              <a:t>,</a:t>
+                <a:latin typeface="+mj-lt"/>
+                <a:cs typeface="Century Gothic"/>
+              </a:rPr>
+              <a:t>.txt”,</a:t>
             </a:r>
             <a:r>
               <a:rPr sz="4000" spc="-50" dirty="0" err="1">
-                <a:solidFill>
-                  <a:srgbClr val="00B050"/>
-                </a:solidFill>
                 <a:latin typeface="+mj-lt"/>
                 <a:cs typeface="Century Gothic"/>
               </a:rPr>
@@ -13388,9 +13771,6 @@
             </a:r>
             <a:r>
               <a:rPr lang="en-US" sz="4000" spc="-50" dirty="0" err="1">
-                <a:solidFill>
-                  <a:srgbClr val="00B050"/>
-                </a:solidFill>
                 <a:latin typeface="+mj-lt"/>
                 <a:cs typeface="Century Gothic"/>
               </a:rPr>
@@ -13398,23 +13778,10 @@
             </a:r>
             <a:r>
               <a:rPr lang="en-US" sz="4000" spc="-50" dirty="0">
-                <a:solidFill>
-                  <a:srgbClr val="00B050"/>
-                </a:solidFill>
-                <a:latin typeface="+mj-lt"/>
-                <a:cs typeface="Century Gothic"/>
-              </a:rPr>
-              <a:t>”</a:t>
-            </a:r>
-            <a:r>
-              <a:rPr lang="en-US" sz="4000" spc="-50" dirty="0">
-                <a:solidFill>
-                  <a:srgbClr val="2D663D"/>
-                </a:solidFill>
-                <a:latin typeface="+mj-lt"/>
-                <a:cs typeface="Century Gothic"/>
-              </a:rPr>
-              <a:t>);</a:t>
+                <a:latin typeface="+mj-lt"/>
+                <a:cs typeface="Century Gothic"/>
+              </a:rPr>
+              <a:t>”);</a:t>
             </a:r>
           </a:p>
           <a:p>
@@ -13429,7 +13796,7 @@
             <a:r>
               <a:rPr lang="en-US" sz="4000" spc="-50" dirty="0" err="1">
                 <a:solidFill>
-                  <a:srgbClr val="FF66FF"/>
+                  <a:srgbClr val="FF0000"/>
                 </a:solidFill>
                 <a:latin typeface="+mj-lt"/>
                 <a:cs typeface="Century Gothic"/>
@@ -13497,7 +13864,7 @@
         <p:spPr>
           <a:xfrm>
             <a:off x="228600" y="1371600"/>
-            <a:ext cx="11430000" cy="1931106"/>
+            <a:ext cx="11430000" cy="1942070"/>
           </a:xfrm>
           <a:prstGeom prst="rect">
             <a:avLst/>
@@ -13561,7 +13928,7 @@
                 <a:latin typeface="Century Gothic"/>
                 <a:cs typeface="Century Gothic"/>
               </a:rPr>
-              <a:t>　　</a:t>
+              <a:t>　</a:t>
             </a:r>
             <a:r>
               <a:rPr sz="4000" spc="-25" dirty="0">
@@ -13582,13 +13949,20 @@
             </a:r>
             <a:r>
               <a:rPr lang="ja-JP" altLang="en-US" sz="4000" spc="-50" dirty="0">
+                <a:latin typeface="ＭＳ ゴシック"/>
+                <a:cs typeface="ＭＳ ゴシック"/>
+              </a:rPr>
+              <a:t>や</a:t>
+            </a:r>
+            <a:r>
+              <a:rPr lang="ja-JP" altLang="en-US" sz="4000" spc="-50" dirty="0">
                 <a:solidFill>
                   <a:srgbClr val="FF0000"/>
                 </a:solidFill>
                 <a:latin typeface="ＭＳ ゴシック"/>
                 <a:cs typeface="ＭＳ ゴシック"/>
               </a:rPr>
-              <a:t>・変換指定子</a:t>
+              <a:t>変換指定子</a:t>
             </a:r>
             <a:r>
               <a:rPr sz="4000" spc="-25" dirty="0">
